--- a/2021/06/科东(广州)软件科技有限公司-广州飞虹微电子有限公司 焊线装片工序不良检测/（5G+AI）飞虹微电子.pptx
+++ b/2021/06/科东(广州)软件科技有限公司-广州飞虹微电子有限公司 焊线装片工序不良检测/（5G+AI）飞虹微电子.pptx
@@ -3516,7 +3516,7 @@
                 <a:ea typeface="黑体" panose="02010609060101010101" pitchFamily="49" charset="-122"/>
                 <a:sym typeface="微软雅黑" panose="020B0503020204020204" pitchFamily="34" charset="-122"/>
               </a:rPr>
-              <a:t>n</a:t>
+              <a:t>10</a:t>
             </a:r>
             <a:r>
               <a:rPr lang="zh-CN" altLang="en-US" dirty="0">
@@ -3526,7 +3526,67 @@
                 <a:ea typeface="黑体" panose="02010609060101010101" pitchFamily="49" charset="-122"/>
                 <a:sym typeface="微软雅黑" panose="020B0503020204020204" pitchFamily="34" charset="-122"/>
               </a:rPr>
-              <a:t>张？，用户可以在总部实时查看工厂的信息</a:t>
+              <a:t>张</a:t>
+            </a:r>
+            <a:r>
+              <a:rPr lang="en-US" altLang="zh-CN" dirty="0">
+                <a:solidFill>
+                  <a:srgbClr val="C00000"/>
+                </a:solidFill>
+                <a:ea typeface="黑体" panose="02010609060101010101" pitchFamily="49" charset="-122"/>
+                <a:sym typeface="微软雅黑" panose="020B0503020204020204" pitchFamily="34" charset="-122"/>
+              </a:rPr>
+              <a:t>(</a:t>
+            </a:r>
+            <a:r>
+              <a:rPr lang="zh-CN" altLang="en-US" dirty="0">
+                <a:solidFill>
+                  <a:srgbClr val="C00000"/>
+                </a:solidFill>
+                <a:ea typeface="黑体" panose="02010609060101010101" pitchFamily="49" charset="-122"/>
+                <a:sym typeface="微软雅黑" panose="020B0503020204020204" pitchFamily="34" charset="-122"/>
+              </a:rPr>
+              <a:t>总数据</a:t>
+            </a:r>
+            <a:r>
+              <a:rPr lang="en-US" altLang="zh-CN" dirty="0">
+                <a:solidFill>
+                  <a:srgbClr val="C00000"/>
+                </a:solidFill>
+                <a:ea typeface="黑体" panose="02010609060101010101" pitchFamily="49" charset="-122"/>
+                <a:sym typeface="微软雅黑" panose="020B0503020204020204" pitchFamily="34" charset="-122"/>
+              </a:rPr>
+              <a:t>50MB</a:t>
+            </a:r>
+            <a:r>
+              <a:rPr lang="zh-CN" altLang="en-US" dirty="0">
+                <a:solidFill>
+                  <a:srgbClr val="C00000"/>
+                </a:solidFill>
+                <a:ea typeface="黑体" panose="02010609060101010101" pitchFamily="49" charset="-122"/>
+                <a:sym typeface="微软雅黑" panose="020B0503020204020204" pitchFamily="34" charset="-122"/>
+              </a:rPr>
+              <a:t>左右</a:t>
+            </a:r>
+            <a:r>
+              <a:rPr lang="en-US" altLang="zh-CN" dirty="0">
+                <a:solidFill>
+                  <a:srgbClr val="C00000"/>
+                </a:solidFill>
+                <a:ea typeface="黑体" panose="02010609060101010101" pitchFamily="49" charset="-122"/>
+                <a:sym typeface="微软雅黑" panose="020B0503020204020204" pitchFamily="34" charset="-122"/>
+              </a:rPr>
+              <a:t>)</a:t>
+            </a:r>
+            <a:r>
+              <a:rPr lang="zh-CN" altLang="en-US" dirty="0">
+                <a:solidFill>
+                  <a:srgbClr val="C00000"/>
+                </a:solidFill>
+                <a:ea typeface="黑体" panose="02010609060101010101" pitchFamily="49" charset="-122"/>
+                <a:sym typeface="微软雅黑" panose="020B0503020204020204" pitchFamily="34" charset="-122"/>
+              </a:rPr>
+              <a:t>，用户可以在总部实时查看工厂的信息</a:t>
             </a:r>
             <a:endParaRPr lang="en-US" altLang="zh-CN" dirty="0">
               <a:solidFill>

--- a/2021/06/科东(广州)软件科技有限公司-广州飞虹微电子有限公司 焊线装片工序不良检测/（5G+AI）飞虹微电子.pptx
+++ b/2021/06/科东(广州)软件科技有限公司-广州飞虹微电子有限公司 焊线装片工序不良检测/（5G+AI）飞虹微电子.pptx
@@ -3442,9 +3442,6 @@
             </a:r>
             <a:r>
               <a:rPr lang="en-US" altLang="zh-CN" dirty="0">
-                <a:solidFill>
-                  <a:srgbClr val="C00000"/>
-                </a:solidFill>
                 <a:ea typeface="黑体" panose="02010609060101010101" pitchFamily="49" charset="-122"/>
                 <a:sym typeface="微软雅黑" panose="020B0503020204020204" pitchFamily="34" charset="-122"/>
               </a:rPr>
@@ -3452,28 +3449,15 @@
             </a:r>
             <a:r>
               <a:rPr lang="zh-CN" altLang="en-US" dirty="0">
-                <a:solidFill>
-                  <a:srgbClr val="C00000"/>
-                </a:solidFill>
                 <a:ea typeface="黑体" panose="02010609060101010101" pitchFamily="49" charset="-122"/>
                 <a:sym typeface="微软雅黑" panose="020B0503020204020204" pitchFamily="34" charset="-122"/>
               </a:rPr>
-              <a:t>产品和</a:t>
+              <a:t>产品和光学硬件及机构设计；</a:t>
             </a:r>
-            <a:r>
-              <a:rPr lang="zh-CN" altLang="en-US" dirty="0">
-                <a:ea typeface="黑体" panose="02010609060101010101" pitchFamily="49" charset="-122"/>
-                <a:sym typeface="微软雅黑" panose="020B0503020204020204" pitchFamily="34" charset="-122"/>
-              </a:rPr>
-              <a:t>光学硬件及机构设计</a:t>
-            </a:r>
-            <a:r>
-              <a:rPr lang="en-US" altLang="zh-CN" dirty="0">
-                <a:ea typeface="黑体" panose="02010609060101010101" pitchFamily="49" charset="-122"/>
-                <a:sym typeface="微软雅黑" panose="020B0503020204020204" pitchFamily="34" charset="-122"/>
-              </a:rPr>
-              <a:t>;</a:t>
-            </a:r>
+            <a:endParaRPr lang="en-US" altLang="zh-CN" dirty="0">
+              <a:ea typeface="黑体" panose="02010609060101010101" pitchFamily="49" charset="-122"/>
+              <a:sym typeface="微软雅黑" panose="020B0503020204020204" pitchFamily="34" charset="-122"/>
+            </a:endParaRPr>
           </a:p>
           <a:p>
             <a:pPr lvl="1"/>
@@ -3496,23 +3480,10 @@
                 <a:ea typeface="黑体" panose="02010609060101010101" pitchFamily="49" charset="-122"/>
                 <a:sym typeface="微软雅黑" panose="020B0503020204020204" pitchFamily="34" charset="-122"/>
               </a:rPr>
-              <a:t>实时传输线体图片数据</a:t>
-            </a:r>
-            <a:r>
-              <a:rPr lang="zh-CN" altLang="en-US" dirty="0">
-                <a:solidFill>
-                  <a:srgbClr val="C00000"/>
-                </a:solidFill>
-                <a:ea typeface="黑体" panose="02010609060101010101" pitchFamily="49" charset="-122"/>
-                <a:sym typeface="微软雅黑" panose="020B0503020204020204" pitchFamily="34" charset="-122"/>
-              </a:rPr>
-              <a:t>每秒达到</a:t>
+              <a:t>实时传输线体图片数据每秒达到</a:t>
             </a:r>
             <a:r>
               <a:rPr lang="en-US" altLang="zh-CN" dirty="0">
-                <a:solidFill>
-                  <a:srgbClr val="C00000"/>
-                </a:solidFill>
                 <a:ea typeface="黑体" panose="02010609060101010101" pitchFamily="49" charset="-122"/>
                 <a:sym typeface="微软雅黑" panose="020B0503020204020204" pitchFamily="34" charset="-122"/>
               </a:rPr>
@@ -3520,9 +3491,6 @@
             </a:r>
             <a:r>
               <a:rPr lang="zh-CN" altLang="en-US" dirty="0">
-                <a:solidFill>
-                  <a:srgbClr val="C00000"/>
-                </a:solidFill>
                 <a:ea typeface="黑体" panose="02010609060101010101" pitchFamily="49" charset="-122"/>
                 <a:sym typeface="微软雅黑" panose="020B0503020204020204" pitchFamily="34" charset="-122"/>
               </a:rPr>
@@ -3530,9 +3498,6 @@
             </a:r>
             <a:r>
               <a:rPr lang="en-US" altLang="zh-CN" dirty="0">
-                <a:solidFill>
-                  <a:srgbClr val="C00000"/>
-                </a:solidFill>
                 <a:ea typeface="黑体" panose="02010609060101010101" pitchFamily="49" charset="-122"/>
                 <a:sym typeface="微软雅黑" panose="020B0503020204020204" pitchFamily="34" charset="-122"/>
               </a:rPr>
@@ -3540,9 +3505,6 @@
             </a:r>
             <a:r>
               <a:rPr lang="zh-CN" altLang="en-US" dirty="0">
-                <a:solidFill>
-                  <a:srgbClr val="C00000"/>
-                </a:solidFill>
                 <a:ea typeface="黑体" panose="02010609060101010101" pitchFamily="49" charset="-122"/>
                 <a:sym typeface="微软雅黑" panose="020B0503020204020204" pitchFamily="34" charset="-122"/>
               </a:rPr>
@@ -3550,9 +3512,6 @@
             </a:r>
             <a:r>
               <a:rPr lang="en-US" altLang="zh-CN" dirty="0">
-                <a:solidFill>
-                  <a:srgbClr val="C00000"/>
-                </a:solidFill>
                 <a:ea typeface="黑体" panose="02010609060101010101" pitchFamily="49" charset="-122"/>
                 <a:sym typeface="微软雅黑" panose="020B0503020204020204" pitchFamily="34" charset="-122"/>
               </a:rPr>
@@ -3560,9 +3519,6 @@
             </a:r>
             <a:r>
               <a:rPr lang="zh-CN" altLang="en-US" dirty="0">
-                <a:solidFill>
-                  <a:srgbClr val="C00000"/>
-                </a:solidFill>
                 <a:ea typeface="黑体" panose="02010609060101010101" pitchFamily="49" charset="-122"/>
                 <a:sym typeface="微软雅黑" panose="020B0503020204020204" pitchFamily="34" charset="-122"/>
               </a:rPr>
@@ -3570,9 +3526,6 @@
             </a:r>
             <a:r>
               <a:rPr lang="en-US" altLang="zh-CN" dirty="0">
-                <a:solidFill>
-                  <a:srgbClr val="C00000"/>
-                </a:solidFill>
                 <a:ea typeface="黑体" panose="02010609060101010101" pitchFamily="49" charset="-122"/>
                 <a:sym typeface="微软雅黑" panose="020B0503020204020204" pitchFamily="34" charset="-122"/>
               </a:rPr>
@@ -3580,18 +3533,12 @@
             </a:r>
             <a:r>
               <a:rPr lang="zh-CN" altLang="en-US" dirty="0">
-                <a:solidFill>
-                  <a:srgbClr val="C00000"/>
-                </a:solidFill>
                 <a:ea typeface="黑体" panose="02010609060101010101" pitchFamily="49" charset="-122"/>
                 <a:sym typeface="微软雅黑" panose="020B0503020204020204" pitchFamily="34" charset="-122"/>
               </a:rPr>
-              <a:t>，用户可以在总部实时查看工厂的信息</a:t>
+              <a:t>，用户可以在总部实时查看工厂的信息；</a:t>
             </a:r>
             <a:endParaRPr lang="en-US" altLang="zh-CN" dirty="0">
-              <a:solidFill>
-                <a:srgbClr val="C00000"/>
-              </a:solidFill>
               <a:ea typeface="黑体" panose="02010609060101010101" pitchFamily="49" charset="-122"/>
               <a:sym typeface="微软雅黑" panose="020B0503020204020204" pitchFamily="34" charset="-122"/>
             </a:endParaRPr>

--- a/2021/06/科东(广州)软件科技有限公司-广州飞虹微电子有限公司 焊线装片工序不良检测/（5G+AI）飞虹微电子.pptx
+++ b/2021/06/科东(广州)软件科技有限公司-广州飞虹微电子有限公司 焊线装片工序不良检测/（5G+AI）飞虹微电子.pptx
@@ -2911,60 +2911,6 @@
       </p:grpSpPr>
       <p:sp>
         <p:nvSpPr>
-          <p:cNvPr id="132" name="矩形 131">
-            <a:extLst>
-              <a:ext uri="{FF2B5EF4-FFF2-40B4-BE49-F238E27FC236}">
-                <a16:creationId xmlns:a16="http://schemas.microsoft.com/office/drawing/2014/main" id="{E80310B1-C277-4846-9161-5C6F28C76836}"/>
-              </a:ext>
-            </a:extLst>
-          </p:cNvPr>
-          <p:cNvSpPr/>
-          <p:nvPr/>
-        </p:nvSpPr>
-        <p:spPr>
-          <a:xfrm>
-            <a:off x="323850" y="2963488"/>
-            <a:ext cx="8471693" cy="2896772"/>
-          </a:xfrm>
-          <a:prstGeom prst="rect">
-            <a:avLst/>
-          </a:prstGeom>
-          <a:solidFill>
-            <a:schemeClr val="bg1">
-              <a:lumMod val="75000"/>
-            </a:schemeClr>
-          </a:solidFill>
-        </p:spPr>
-        <p:style>
-          <a:lnRef idx="2">
-            <a:schemeClr val="accent1">
-              <a:shade val="50000"/>
-            </a:schemeClr>
-          </a:lnRef>
-          <a:fillRef idx="1">
-            <a:schemeClr val="accent1"/>
-          </a:fillRef>
-          <a:effectRef idx="0">
-            <a:schemeClr val="accent1"/>
-          </a:effectRef>
-          <a:fontRef idx="minor">
-            <a:schemeClr val="lt1"/>
-          </a:fontRef>
-        </p:style>
-        <p:txBody>
-          <a:bodyPr rtlCol="0" anchor="ctr"/>
-          <a:lstStyle/>
-          <a:p>
-            <a:pPr algn="ctr"/>
-            <a:endParaRPr lang="en-US">
-              <a:latin typeface="+mn-ea"/>
-              <a:sym typeface="微软雅黑" panose="020B0503020204020204" pitchFamily="34" charset="-122"/>
-            </a:endParaRPr>
-          </a:p>
-        </p:txBody>
-      </p:sp>
-      <p:sp>
-        <p:nvSpPr>
           <p:cNvPr id="20" name="标题 19">
             <a:extLst>
               <a:ext uri="{FF2B5EF4-FFF2-40B4-BE49-F238E27FC236}">
@@ -12051,72 +11997,6 @@
           </a:p>
         </p:txBody>
       </p:sp>
-      <p:pic>
-        <p:nvPicPr>
-          <p:cNvPr id="5" name="图片 4">
-            <a:extLst>
-              <a:ext uri="{FF2B5EF4-FFF2-40B4-BE49-F238E27FC236}">
-                <a16:creationId xmlns:a16="http://schemas.microsoft.com/office/drawing/2014/main" id="{8AB79885-4E7E-4CD3-BFDB-2013960CB64A}"/>
-              </a:ext>
-            </a:extLst>
-          </p:cNvPr>
-          <p:cNvPicPr>
-            <a:picLocks noChangeAspect="1"/>
-          </p:cNvPicPr>
-          <p:nvPr/>
-        </p:nvPicPr>
-        <p:blipFill>
-          <a:blip r:embed="rId4"/>
-          <a:stretch>
-            <a:fillRect/>
-          </a:stretch>
-        </p:blipFill>
-        <p:spPr>
-          <a:xfrm>
-            <a:off x="400848" y="3066416"/>
-            <a:ext cx="2326758" cy="1245407"/>
-          </a:xfrm>
-          <a:prstGeom prst="rect">
-            <a:avLst/>
-          </a:prstGeom>
-        </p:spPr>
-      </p:pic>
-      <p:pic>
-        <p:nvPicPr>
-          <p:cNvPr id="7" name="图片 6">
-            <a:extLst>
-              <a:ext uri="{FF2B5EF4-FFF2-40B4-BE49-F238E27FC236}">
-                <a16:creationId xmlns:a16="http://schemas.microsoft.com/office/drawing/2014/main" id="{204688D2-33CD-49AD-8503-67BCCFA87D27}"/>
-              </a:ext>
-            </a:extLst>
-          </p:cNvPr>
-          <p:cNvPicPr>
-            <a:picLocks noChangeAspect="1"/>
-          </p:cNvPicPr>
-          <p:nvPr/>
-        </p:nvPicPr>
-        <p:blipFill>
-          <a:blip r:embed="rId5" cstate="print">
-            <a:extLst>
-              <a:ext uri="{28A0092B-C50C-407E-A947-70E740481C1C}">
-                <a14:useLocalDpi xmlns:a14="http://schemas.microsoft.com/office/drawing/2010/main" val="0"/>
-              </a:ext>
-            </a:extLst>
-          </a:blip>
-          <a:stretch>
-            <a:fillRect/>
-          </a:stretch>
-        </p:blipFill>
-        <p:spPr>
-          <a:xfrm>
-            <a:off x="400848" y="4521318"/>
-            <a:ext cx="2362672" cy="1188469"/>
-          </a:xfrm>
-          <a:prstGeom prst="rect">
-            <a:avLst/>
-          </a:prstGeom>
-        </p:spPr>
-      </p:pic>
       <p:sp>
         <p:nvSpPr>
           <p:cNvPr id="119" name="箭头: V 形 138">
@@ -12190,7 +12070,7 @@
           <p:nvPr/>
         </p:nvPicPr>
         <p:blipFill>
-          <a:blip r:embed="rId6"/>
+          <a:blip r:embed="rId4"/>
           <a:stretch>
             <a:fillRect/>
           </a:stretch>
@@ -12220,7 +12100,7 @@
           <p:nvPr/>
         </p:nvPicPr>
         <p:blipFill>
-          <a:blip r:embed="rId7" cstate="print">
+          <a:blip r:embed="rId5" cstate="print">
             <a:extLst>
               <a:ext uri="{28A0092B-C50C-407E-A947-70E740481C1C}">
                 <a14:useLocalDpi xmlns:a14="http://schemas.microsoft.com/office/drawing/2010/main" val="0"/>
@@ -12243,10 +12123,10 @@
       </p:pic>
       <p:pic>
         <p:nvPicPr>
-          <p:cNvPr id="126" name="图片 125">
+          <p:cNvPr id="11" name="图片 10">
             <a:extLst>
               <a:ext uri="{FF2B5EF4-FFF2-40B4-BE49-F238E27FC236}">
-                <a16:creationId xmlns:a16="http://schemas.microsoft.com/office/drawing/2014/main" id="{798DC6CD-645B-44D3-85E5-C60BAD3453F4}"/>
+                <a16:creationId xmlns:a16="http://schemas.microsoft.com/office/drawing/2014/main" id="{682E57BB-8EA8-4002-BE8C-7D69028DBF50}"/>
               </a:ext>
             </a:extLst>
           </p:cNvPr>
@@ -12256,137 +12136,21 @@
           <p:nvPr/>
         </p:nvPicPr>
         <p:blipFill>
-          <a:blip r:embed="rId8"/>
+          <a:blip r:embed="rId6"/>
           <a:stretch>
             <a:fillRect/>
           </a:stretch>
         </p:blipFill>
         <p:spPr>
           <a:xfrm>
-            <a:off x="3308420" y="3091168"/>
-            <a:ext cx="5343737" cy="2659312"/>
+            <a:off x="359065" y="3257495"/>
+            <a:ext cx="8348479" cy="2193718"/>
           </a:xfrm>
           <a:prstGeom prst="rect">
             <a:avLst/>
           </a:prstGeom>
         </p:spPr>
       </p:pic>
-      <p:sp>
-        <p:nvSpPr>
-          <p:cNvPr id="128" name="箭头: V 形 138">
-            <a:extLst>
-              <a:ext uri="{FF2B5EF4-FFF2-40B4-BE49-F238E27FC236}">
-                <a16:creationId xmlns:a16="http://schemas.microsoft.com/office/drawing/2014/main" id="{483EEAA9-6BD1-4791-BAA8-E8B0CCE6AAE6}"/>
-              </a:ext>
-            </a:extLst>
-          </p:cNvPr>
-          <p:cNvSpPr/>
-          <p:nvPr/>
-        </p:nvSpPr>
-        <p:spPr>
-          <a:xfrm>
-            <a:off x="2894002" y="3548182"/>
-            <a:ext cx="226611" cy="611366"/>
-          </a:xfrm>
-          <a:prstGeom prst="chevron">
-            <a:avLst>
-              <a:gd name="adj" fmla="val 72807"/>
-            </a:avLst>
-          </a:prstGeom>
-          <a:solidFill>
-            <a:schemeClr val="accent1"/>
-          </a:solidFill>
-          <a:ln>
-            <a:noFill/>
-          </a:ln>
-        </p:spPr>
-        <p:style>
-          <a:lnRef idx="2">
-            <a:schemeClr val="accent1">
-              <a:shade val="50000"/>
-            </a:schemeClr>
-          </a:lnRef>
-          <a:fillRef idx="1">
-            <a:schemeClr val="accent1"/>
-          </a:fillRef>
-          <a:effectRef idx="0">
-            <a:schemeClr val="accent1"/>
-          </a:effectRef>
-          <a:fontRef idx="minor">
-            <a:schemeClr val="lt1"/>
-          </a:fontRef>
-        </p:style>
-        <p:txBody>
-          <a:bodyPr rtlCol="0" anchor="ctr"/>
-          <a:lstStyle/>
-          <a:p>
-            <a:pPr algn="ctr"/>
-            <a:endParaRPr lang="zh-CN" altLang="en-US" spc="100" dirty="0">
-              <a:latin typeface="Arial" panose="020B0604020202020204" pitchFamily="34" charset="0"/>
-              <a:ea typeface="黑体" panose="02010609060101010101" pitchFamily="49" charset="-122"/>
-              <a:cs typeface="Arial" panose="020B0604020202020204" pitchFamily="34" charset="0"/>
-            </a:endParaRPr>
-          </a:p>
-        </p:txBody>
-      </p:sp>
-      <p:sp>
-        <p:nvSpPr>
-          <p:cNvPr id="129" name="箭头: V 形 138">
-            <a:extLst>
-              <a:ext uri="{FF2B5EF4-FFF2-40B4-BE49-F238E27FC236}">
-                <a16:creationId xmlns:a16="http://schemas.microsoft.com/office/drawing/2014/main" id="{6A0EE6FC-C512-4AA5-8324-3D63DFECFF26}"/>
-              </a:ext>
-            </a:extLst>
-          </p:cNvPr>
-          <p:cNvSpPr/>
-          <p:nvPr/>
-        </p:nvSpPr>
-        <p:spPr>
-          <a:xfrm>
-            <a:off x="2889005" y="4769213"/>
-            <a:ext cx="226611" cy="611366"/>
-          </a:xfrm>
-          <a:prstGeom prst="chevron">
-            <a:avLst>
-              <a:gd name="adj" fmla="val 72807"/>
-            </a:avLst>
-          </a:prstGeom>
-          <a:solidFill>
-            <a:schemeClr val="accent1"/>
-          </a:solidFill>
-          <a:ln>
-            <a:noFill/>
-          </a:ln>
-        </p:spPr>
-        <p:style>
-          <a:lnRef idx="2">
-            <a:schemeClr val="accent1">
-              <a:shade val="50000"/>
-            </a:schemeClr>
-          </a:lnRef>
-          <a:fillRef idx="1">
-            <a:schemeClr val="accent1"/>
-          </a:fillRef>
-          <a:effectRef idx="0">
-            <a:schemeClr val="accent1"/>
-          </a:effectRef>
-          <a:fontRef idx="minor">
-            <a:schemeClr val="lt1"/>
-          </a:fontRef>
-        </p:style>
-        <p:txBody>
-          <a:bodyPr rtlCol="0" anchor="ctr"/>
-          <a:lstStyle/>
-          <a:p>
-            <a:pPr algn="ctr"/>
-            <a:endParaRPr lang="zh-CN" altLang="en-US" spc="100" dirty="0">
-              <a:latin typeface="Arial" panose="020B0604020202020204" pitchFamily="34" charset="0"/>
-              <a:ea typeface="黑体" panose="02010609060101010101" pitchFamily="49" charset="-122"/>
-              <a:cs typeface="Arial" panose="020B0604020202020204" pitchFamily="34" charset="0"/>
-            </a:endParaRPr>
-          </a:p>
-        </p:txBody>
-      </p:sp>
     </p:spTree>
     <p:extLst>
       <p:ext uri="{BB962C8B-B14F-4D97-AF65-F5344CB8AC3E}">
@@ -12502,76 +12266,6 @@
                                   </p:childTnLst>
                                 </p:cTn>
                               </p:par>
-                              <p:par>
-                                <p:cTn id="11" presetID="22" presetClass="entr" presetSubtype="8" fill="hold" grpId="0" nodeType="withEffect">
-                                  <p:stCondLst>
-                                    <p:cond delay="0"/>
-                                  </p:stCondLst>
-                                  <p:childTnLst>
-                                    <p:set>
-                                      <p:cBhvr>
-                                        <p:cTn id="12" dur="1" fill="hold">
-                                          <p:stCondLst>
-                                            <p:cond delay="0"/>
-                                          </p:stCondLst>
-                                        </p:cTn>
-                                        <p:tgtEl>
-                                          <p:spTgt spid="128"/>
-                                        </p:tgtEl>
-                                        <p:attrNameLst>
-                                          <p:attrName>style.visibility</p:attrName>
-                                        </p:attrNameLst>
-                                      </p:cBhvr>
-                                      <p:to>
-                                        <p:strVal val="visible"/>
-                                      </p:to>
-                                    </p:set>
-                                    <p:animEffect transition="in" filter="wipe(left)">
-                                      <p:cBhvr>
-                                        <p:cTn id="13" dur="500"/>
-                                        <p:tgtEl>
-                                          <p:spTgt spid="128"/>
-                                        </p:tgtEl>
-                                      </p:cBhvr>
-                                    </p:animEffect>
-                                  </p:childTnLst>
-                                </p:cTn>
-                              </p:par>
-                              <p:par>
-                                <p:cTn id="14" presetID="22" presetClass="entr" presetSubtype="8" fill="hold" grpId="0" nodeType="withEffect">
-                                  <p:stCondLst>
-                                    <p:cond delay="0"/>
-                                  </p:stCondLst>
-                                  <p:childTnLst>
-                                    <p:set>
-                                      <p:cBhvr>
-                                        <p:cTn id="15" dur="1" fill="hold">
-                                          <p:stCondLst>
-                                            <p:cond delay="0"/>
-                                          </p:stCondLst>
-                                        </p:cTn>
-                                        <p:tgtEl>
-                                          <p:spTgt spid="129"/>
-                                        </p:tgtEl>
-                                        <p:attrNameLst>
-                                          <p:attrName>style.visibility</p:attrName>
-                                        </p:attrNameLst>
-                                      </p:cBhvr>
-                                      <p:to>
-                                        <p:strVal val="visible"/>
-                                      </p:to>
-                                    </p:set>
-                                    <p:animEffect transition="in" filter="wipe(left)">
-                                      <p:cBhvr>
-                                        <p:cTn id="16" dur="500"/>
-                                        <p:tgtEl>
-                                          <p:spTgt spid="129"/>
-                                        </p:tgtEl>
-                                      </p:cBhvr>
-                                    </p:animEffect>
-                                  </p:childTnLst>
-                                </p:cTn>
-                              </p:par>
                             </p:childTnLst>
                           </p:cTn>
                         </p:par>
@@ -12602,8 +12296,6 @@
     <p:bldLst>
       <p:bldP spid="127" grpId="0" animBg="1"/>
       <p:bldP spid="119" grpId="0" animBg="1"/>
-      <p:bldP spid="128" grpId="0" animBg="1"/>
-      <p:bldP spid="129" grpId="0" animBg="1"/>
     </p:bldLst>
   </p:timing>
 </p:sld>
